--- a/group14_poster.pptx
+++ b/group14_poster.pptx
@@ -3374,7 +3374,7 @@
           <a:p>
             <a:fld id="{3E403BFD-1F53-42C3-A96D-D728AE625FF3}" type="datetimeFigureOut">
               <a:rPr lang="en-US" smtClean="0"/>
-              <a:t>10/19/2022</a:t>
+              <a:t>10/22/2022</a:t>
             </a:fld>
             <a:endParaRPr lang="en-US"/>
           </a:p>
@@ -3856,7 +3856,7 @@
           <a:p>
             <a:fld id="{B1B6FA8E-7D7F-467E-A1CB-59DD29E29154}" type="datetimeFigureOut">
               <a:rPr lang="en-US" smtClean="0"/>
-              <a:t>10/19/2022</a:t>
+              <a:t>10/22/2022</a:t>
             </a:fld>
             <a:endParaRPr lang="en-US"/>
           </a:p>
@@ -4026,7 +4026,7 @@
           <a:p>
             <a:fld id="{B1B6FA8E-7D7F-467E-A1CB-59DD29E29154}" type="datetimeFigureOut">
               <a:rPr lang="en-US" smtClean="0"/>
-              <a:t>10/19/2022</a:t>
+              <a:t>10/22/2022</a:t>
             </a:fld>
             <a:endParaRPr lang="en-US"/>
           </a:p>
@@ -4206,7 +4206,7 @@
           <a:p>
             <a:fld id="{B1B6FA8E-7D7F-467E-A1CB-59DD29E29154}" type="datetimeFigureOut">
               <a:rPr lang="en-US" smtClean="0"/>
-              <a:t>10/19/2022</a:t>
+              <a:t>10/22/2022</a:t>
             </a:fld>
             <a:endParaRPr lang="en-US"/>
           </a:p>
@@ -4376,7 +4376,7 @@
           <a:p>
             <a:fld id="{B1B6FA8E-7D7F-467E-A1CB-59DD29E29154}" type="datetimeFigureOut">
               <a:rPr lang="en-US" smtClean="0"/>
-              <a:t>10/19/2022</a:t>
+              <a:t>10/22/2022</a:t>
             </a:fld>
             <a:endParaRPr lang="en-US"/>
           </a:p>
@@ -4620,7 +4620,7 @@
           <a:p>
             <a:fld id="{B1B6FA8E-7D7F-467E-A1CB-59DD29E29154}" type="datetimeFigureOut">
               <a:rPr lang="en-US" smtClean="0"/>
-              <a:t>10/19/2022</a:t>
+              <a:t>10/22/2022</a:t>
             </a:fld>
             <a:endParaRPr lang="en-US"/>
           </a:p>
@@ -4852,7 +4852,7 @@
           <a:p>
             <a:fld id="{B1B6FA8E-7D7F-467E-A1CB-59DD29E29154}" type="datetimeFigureOut">
               <a:rPr lang="en-US" smtClean="0"/>
-              <a:t>10/19/2022</a:t>
+              <a:t>10/22/2022</a:t>
             </a:fld>
             <a:endParaRPr lang="en-US"/>
           </a:p>
@@ -5219,7 +5219,7 @@
           <a:p>
             <a:fld id="{B1B6FA8E-7D7F-467E-A1CB-59DD29E29154}" type="datetimeFigureOut">
               <a:rPr lang="en-US" smtClean="0"/>
-              <a:t>10/19/2022</a:t>
+              <a:t>10/22/2022</a:t>
             </a:fld>
             <a:endParaRPr lang="en-US"/>
           </a:p>
@@ -5337,7 +5337,7 @@
           <a:p>
             <a:fld id="{B1B6FA8E-7D7F-467E-A1CB-59DD29E29154}" type="datetimeFigureOut">
               <a:rPr lang="en-US" smtClean="0"/>
-              <a:t>10/19/2022</a:t>
+              <a:t>10/22/2022</a:t>
             </a:fld>
             <a:endParaRPr lang="en-US"/>
           </a:p>
@@ -5432,7 +5432,7 @@
           <a:p>
             <a:fld id="{B1B6FA8E-7D7F-467E-A1CB-59DD29E29154}" type="datetimeFigureOut">
               <a:rPr lang="en-US" smtClean="0"/>
-              <a:t>10/19/2022</a:t>
+              <a:t>10/22/2022</a:t>
             </a:fld>
             <a:endParaRPr lang="en-US"/>
           </a:p>
@@ -5709,7 +5709,7 @@
           <a:p>
             <a:fld id="{B1B6FA8E-7D7F-467E-A1CB-59DD29E29154}" type="datetimeFigureOut">
               <a:rPr lang="en-US" smtClean="0"/>
-              <a:t>10/19/2022</a:t>
+              <a:t>10/22/2022</a:t>
             </a:fld>
             <a:endParaRPr lang="en-US"/>
           </a:p>
@@ -5966,7 +5966,7 @@
           <a:p>
             <a:fld id="{B1B6FA8E-7D7F-467E-A1CB-59DD29E29154}" type="datetimeFigureOut">
               <a:rPr lang="en-US" smtClean="0"/>
-              <a:t>10/19/2022</a:t>
+              <a:t>10/22/2022</a:t>
             </a:fld>
             <a:endParaRPr lang="en-US"/>
           </a:p>
@@ -6179,7 +6179,7 @@
           <a:p>
             <a:fld id="{B1B6FA8E-7D7F-467E-A1CB-59DD29E29154}" type="datetimeFigureOut">
               <a:rPr lang="en-US" smtClean="0"/>
-              <a:t>10/19/2022</a:t>
+              <a:t>10/22/2022</a:t>
             </a:fld>
             <a:endParaRPr lang="en-US"/>
           </a:p>
@@ -6586,10 +6586,10 @@
       </p:grpSpPr>
       <p:pic>
         <p:nvPicPr>
-          <p:cNvPr id="18" name="Picture 17" descr="Diagram&#10;&#10;Description automatically generated">
+          <p:cNvPr id="5" name="Picture 4" descr="Diagram&#10;&#10;Description automatically generated">
             <a:extLst>
               <a:ext uri="{FF2B5EF4-FFF2-40B4-BE49-F238E27FC236}">
-                <a16:creationId xmlns:a16="http://schemas.microsoft.com/office/drawing/2014/main" id="{CE4C3B68-1527-96A0-9627-4A16A8A3E39A}"/>
+                <a16:creationId xmlns:a16="http://schemas.microsoft.com/office/drawing/2014/main" id="{163EEBAD-F0BC-E39F-2E06-39F2B560530E}"/>
               </a:ext>
             </a:extLst>
           </p:cNvPr>
@@ -6612,19 +6612,151 @@
         </p:blipFill>
         <p:spPr>
           <a:xfrm>
-            <a:off x="10670389" y="17373283"/>
+            <a:off x="10728051" y="17406377"/>
             <a:ext cx="9514286" cy="9409524"/>
           </a:xfrm>
           <a:prstGeom prst="rect">
             <a:avLst/>
           </a:prstGeom>
-          <a:ln w="19050">
+          <a:ln w="31750">
             <a:solidFill>
               <a:schemeClr val="tx1"/>
             </a:solidFill>
           </a:ln>
         </p:spPr>
       </p:pic>
+      <p:sp>
+        <p:nvSpPr>
+          <p:cNvPr id="8" name="Rectangle 7">
+            <a:extLst>
+              <a:ext uri="{FF2B5EF4-FFF2-40B4-BE49-F238E27FC236}">
+                <a16:creationId xmlns:a16="http://schemas.microsoft.com/office/drawing/2014/main" id="{DC9ABAE6-0438-2F50-9590-7DFD3FA2BC8A}"/>
+              </a:ext>
+            </a:extLst>
+          </p:cNvPr>
+          <p:cNvSpPr/>
+          <p:nvPr/>
+        </p:nvSpPr>
+        <p:spPr>
+          <a:xfrm>
+            <a:off x="14795817" y="18019132"/>
+            <a:ext cx="5190993" cy="8184015"/>
+          </a:xfrm>
+          <a:prstGeom prst="rect">
+            <a:avLst/>
+          </a:prstGeom>
+          <a:noFill/>
+        </p:spPr>
+        <p:style>
+          <a:lnRef idx="2">
+            <a:schemeClr val="accent1">
+              <a:shade val="50000"/>
+            </a:schemeClr>
+          </a:lnRef>
+          <a:fillRef idx="1">
+            <a:schemeClr val="accent1"/>
+          </a:fillRef>
+          <a:effectRef idx="0">
+            <a:schemeClr val="accent1"/>
+          </a:effectRef>
+          <a:fontRef idx="minor">
+            <a:schemeClr val="lt1"/>
+          </a:fontRef>
+        </p:style>
+        <p:txBody>
+          <a:bodyPr rtlCol="0" anchor="ctr"/>
+          <a:lstStyle/>
+          <a:p>
+            <a:pPr algn="ctr"/>
+            <a:endParaRPr lang="en-SG"/>
+          </a:p>
+        </p:txBody>
+      </p:sp>
+      <p:cxnSp>
+        <p:nvCxnSpPr>
+          <p:cNvPr id="11" name="Straight Arrow Connector 10">
+            <a:extLst>
+              <a:ext uri="{FF2B5EF4-FFF2-40B4-BE49-F238E27FC236}">
+                <a16:creationId xmlns:a16="http://schemas.microsoft.com/office/drawing/2014/main" id="{C83D14DC-83F9-5DE7-739B-A6650161C758}"/>
+              </a:ext>
+            </a:extLst>
+          </p:cNvPr>
+          <p:cNvCxnSpPr/>
+          <p:nvPr/>
+        </p:nvCxnSpPr>
+        <p:spPr>
+          <a:xfrm>
+            <a:off x="13712717" y="21159198"/>
+            <a:ext cx="1083100" cy="0"/>
+          </a:xfrm>
+          <a:prstGeom prst="straightConnector1">
+            <a:avLst/>
+          </a:prstGeom>
+          <a:ln w="47625">
+            <a:solidFill>
+              <a:schemeClr val="tx1"/>
+            </a:solidFill>
+            <a:headEnd type="triangle"/>
+            <a:tailEnd type="triangle"/>
+          </a:ln>
+        </p:spPr>
+        <p:style>
+          <a:lnRef idx="1">
+            <a:schemeClr val="accent1"/>
+          </a:lnRef>
+          <a:fillRef idx="0">
+            <a:schemeClr val="accent1"/>
+          </a:fillRef>
+          <a:effectRef idx="0">
+            <a:schemeClr val="accent1"/>
+          </a:effectRef>
+          <a:fontRef idx="minor">
+            <a:schemeClr val="tx1"/>
+          </a:fontRef>
+        </p:style>
+      </p:cxnSp>
+      <p:sp>
+        <p:nvSpPr>
+          <p:cNvPr id="7" name="TextBox 6">
+            <a:extLst>
+              <a:ext uri="{FF2B5EF4-FFF2-40B4-BE49-F238E27FC236}">
+                <a16:creationId xmlns:a16="http://schemas.microsoft.com/office/drawing/2014/main" id="{9E538400-D03D-462A-93ED-A7055E0D3EF0}"/>
+              </a:ext>
+            </a:extLst>
+          </p:cNvPr>
+          <p:cNvSpPr txBox="1"/>
+          <p:nvPr/>
+        </p:nvSpPr>
+        <p:spPr>
+          <a:xfrm>
+            <a:off x="11299428" y="17588245"/>
+            <a:ext cx="2413289" cy="430887"/>
+          </a:xfrm>
+          <a:prstGeom prst="rect">
+            <a:avLst/>
+          </a:prstGeom>
+          <a:noFill/>
+        </p:spPr>
+        <p:txBody>
+          <a:bodyPr wrap="none" rtlCol="0">
+            <a:spAutoFit/>
+          </a:bodyPr>
+          <a:lstStyle/>
+          <a:p>
+            <a:r>
+              <a:rPr lang="en-US" sz="2200" b="1" dirty="0">
+                <a:latin typeface="Arial" panose="020B0604020202020204" pitchFamily="34" charset="0"/>
+                <a:cs typeface="Arial" panose="020B0604020202020204" pitchFamily="34" charset="0"/>
+              </a:rPr>
+              <a:t>Vagrant Network</a:t>
+            </a:r>
+            <a:endParaRPr lang="en-SG" sz="2200" b="1" dirty="0">
+              <a:latin typeface="Arial" panose="020B0604020202020204" pitchFamily="34" charset="0"/>
+              <a:cs typeface="Arial" panose="020B0604020202020204" pitchFamily="34" charset="0"/>
+            </a:endParaRPr>
+          </a:p>
+        </p:txBody>
+      </p:sp>
       <p:pic>
         <p:nvPicPr>
           <p:cNvPr id="4" name="Picture 3"/>
@@ -6824,138 +6956,6 @@
       </p:sp>
       <p:sp>
         <p:nvSpPr>
-          <p:cNvPr id="7" name="TextBox 6">
-            <a:extLst>
-              <a:ext uri="{FF2B5EF4-FFF2-40B4-BE49-F238E27FC236}">
-                <a16:creationId xmlns:a16="http://schemas.microsoft.com/office/drawing/2014/main" id="{9E538400-D03D-462A-93ED-A7055E0D3EF0}"/>
-              </a:ext>
-            </a:extLst>
-          </p:cNvPr>
-          <p:cNvSpPr txBox="1"/>
-          <p:nvPr/>
-        </p:nvSpPr>
-        <p:spPr>
-          <a:xfrm>
-            <a:off x="11299428" y="17588245"/>
-            <a:ext cx="2413289" cy="430887"/>
-          </a:xfrm>
-          <a:prstGeom prst="rect">
-            <a:avLst/>
-          </a:prstGeom>
-          <a:noFill/>
-        </p:spPr>
-        <p:txBody>
-          <a:bodyPr wrap="none" rtlCol="0">
-            <a:spAutoFit/>
-          </a:bodyPr>
-          <a:lstStyle/>
-          <a:p>
-            <a:r>
-              <a:rPr lang="en-US" sz="2200" b="1" dirty="0">
-                <a:latin typeface="Arial" panose="020B0604020202020204" pitchFamily="34" charset="0"/>
-                <a:cs typeface="Arial" panose="020B0604020202020204" pitchFamily="34" charset="0"/>
-              </a:rPr>
-              <a:t>Vagrant Network</a:t>
-            </a:r>
-            <a:endParaRPr lang="en-SG" sz="2200" b="1" dirty="0">
-              <a:latin typeface="Arial" panose="020B0604020202020204" pitchFamily="34" charset="0"/>
-              <a:cs typeface="Arial" panose="020B0604020202020204" pitchFamily="34" charset="0"/>
-            </a:endParaRPr>
-          </a:p>
-        </p:txBody>
-      </p:sp>
-      <p:sp>
-        <p:nvSpPr>
-          <p:cNvPr id="8" name="Rectangle 7">
-            <a:extLst>
-              <a:ext uri="{FF2B5EF4-FFF2-40B4-BE49-F238E27FC236}">
-                <a16:creationId xmlns:a16="http://schemas.microsoft.com/office/drawing/2014/main" id="{DC9ABAE6-0438-2F50-9590-7DFD3FA2BC8A}"/>
-              </a:ext>
-            </a:extLst>
-          </p:cNvPr>
-          <p:cNvSpPr/>
-          <p:nvPr/>
-        </p:nvSpPr>
-        <p:spPr>
-          <a:xfrm>
-            <a:off x="14795817" y="18019132"/>
-            <a:ext cx="5190993" cy="8184015"/>
-          </a:xfrm>
-          <a:prstGeom prst="rect">
-            <a:avLst/>
-          </a:prstGeom>
-          <a:noFill/>
-        </p:spPr>
-        <p:style>
-          <a:lnRef idx="2">
-            <a:schemeClr val="accent1">
-              <a:shade val="50000"/>
-            </a:schemeClr>
-          </a:lnRef>
-          <a:fillRef idx="1">
-            <a:schemeClr val="accent1"/>
-          </a:fillRef>
-          <a:effectRef idx="0">
-            <a:schemeClr val="accent1"/>
-          </a:effectRef>
-          <a:fontRef idx="minor">
-            <a:schemeClr val="lt1"/>
-          </a:fontRef>
-        </p:style>
-        <p:txBody>
-          <a:bodyPr rtlCol="0" anchor="ctr"/>
-          <a:lstStyle/>
-          <a:p>
-            <a:pPr algn="ctr"/>
-            <a:endParaRPr lang="en-SG"/>
-          </a:p>
-        </p:txBody>
-      </p:sp>
-      <p:cxnSp>
-        <p:nvCxnSpPr>
-          <p:cNvPr id="11" name="Straight Arrow Connector 10">
-            <a:extLst>
-              <a:ext uri="{FF2B5EF4-FFF2-40B4-BE49-F238E27FC236}">
-                <a16:creationId xmlns:a16="http://schemas.microsoft.com/office/drawing/2014/main" id="{C83D14DC-83F9-5DE7-739B-A6650161C758}"/>
-              </a:ext>
-            </a:extLst>
-          </p:cNvPr>
-          <p:cNvCxnSpPr/>
-          <p:nvPr/>
-        </p:nvCxnSpPr>
-        <p:spPr>
-          <a:xfrm>
-            <a:off x="13712717" y="21159198"/>
-            <a:ext cx="1083100" cy="0"/>
-          </a:xfrm>
-          <a:prstGeom prst="straightConnector1">
-            <a:avLst/>
-          </a:prstGeom>
-          <a:ln w="47625">
-            <a:solidFill>
-              <a:schemeClr val="tx1"/>
-            </a:solidFill>
-            <a:headEnd type="triangle"/>
-            <a:tailEnd type="triangle"/>
-          </a:ln>
-        </p:spPr>
-        <p:style>
-          <a:lnRef idx="1">
-            <a:schemeClr val="accent1"/>
-          </a:lnRef>
-          <a:fillRef idx="0">
-            <a:schemeClr val="accent1"/>
-          </a:fillRef>
-          <a:effectRef idx="0">
-            <a:schemeClr val="accent1"/>
-          </a:effectRef>
-          <a:fontRef idx="minor">
-            <a:schemeClr val="tx1"/>
-          </a:fontRef>
-        </p:style>
-      </p:cxnSp>
-      <p:sp>
-        <p:nvSpPr>
           <p:cNvPr id="12" name="TextBox 11">
             <a:extLst>
               <a:ext uri="{FF2B5EF4-FFF2-40B4-BE49-F238E27FC236}">
@@ -7080,7 +7080,7 @@
       </p:sp>
       <p:graphicFrame>
         <p:nvGraphicFramePr>
-          <p:cNvPr id="14" name="Diagram 13">
+          <p:cNvPr id="14" name="Diagram 13" hidden="1">
             <a:extLst>
               <a:ext uri="{FF2B5EF4-FFF2-40B4-BE49-F238E27FC236}">
                 <a16:creationId xmlns:a16="http://schemas.microsoft.com/office/drawing/2014/main" id="{9464E06A-294B-4562-0711-EE8ECCCDDADA}"/>
@@ -7091,7 +7091,7 @@
           <p:nvPr>
             <p:extLst>
               <p:ext uri="{D42A27DB-BD31-4B8C-83A1-F6EECF244321}">
-                <p14:modId xmlns:p14="http://schemas.microsoft.com/office/powerpoint/2010/main" val="3086521783"/>
+                <p14:modId xmlns:p14="http://schemas.microsoft.com/office/powerpoint/2010/main" val="2048001305"/>
               </p:ext>
             </p:extLst>
           </p:nvPr>
@@ -7211,6 +7211,147 @@
           </a:p>
         </p:txBody>
       </p:sp>
+      <p:pic>
+        <p:nvPicPr>
+          <p:cNvPr id="1026" name="Picture 2">
+            <a:extLst>
+              <a:ext uri="{FF2B5EF4-FFF2-40B4-BE49-F238E27FC236}">
+                <a16:creationId xmlns:a16="http://schemas.microsoft.com/office/drawing/2014/main" id="{220C0232-2580-0E3B-356A-C306BC44A57C}"/>
+              </a:ext>
+            </a:extLst>
+          </p:cNvPr>
+          <p:cNvPicPr>
+            <a:picLocks noChangeAspect="1" noChangeArrowheads="1"/>
+          </p:cNvPicPr>
+          <p:nvPr/>
+        </p:nvPicPr>
+        <p:blipFill>
+          <a:blip r:embed="rId10" cstate="print">
+            <a:extLst>
+              <a:ext uri="{28A0092B-C50C-407E-A947-70E740481C1C}">
+                <a14:useLocalDpi xmlns:a14="http://schemas.microsoft.com/office/drawing/2010/main" val="0"/>
+              </a:ext>
+            </a:extLst>
+          </a:blip>
+          <a:srcRect/>
+          <a:stretch>
+            <a:fillRect/>
+          </a:stretch>
+        </p:blipFill>
+        <p:spPr bwMode="auto">
+          <a:xfrm>
+            <a:off x="1203712" y="11980513"/>
+            <a:ext cx="19084537" cy="5043667"/>
+          </a:xfrm>
+          <a:prstGeom prst="rect">
+            <a:avLst/>
+          </a:prstGeom>
+          <a:noFill/>
+          <a:extLst>
+            <a:ext uri="{909E8E84-426E-40DD-AFC4-6F175D3DCCD1}">
+              <a14:hiddenFill xmlns:a14="http://schemas.microsoft.com/office/drawing/2010/main">
+                <a:solidFill>
+                  <a:srgbClr val="FFFFFF"/>
+                </a:solidFill>
+              </a14:hiddenFill>
+            </a:ext>
+          </a:extLst>
+        </p:spPr>
+      </p:pic>
+      <p:pic>
+        <p:nvPicPr>
+          <p:cNvPr id="1028" name="Picture 4" descr="Vagrant vs Docker: Which is Better for Development? - DevTeam.Space">
+            <a:extLst>
+              <a:ext uri="{FF2B5EF4-FFF2-40B4-BE49-F238E27FC236}">
+                <a16:creationId xmlns:a16="http://schemas.microsoft.com/office/drawing/2014/main" id="{5EE63AB4-2044-2EFA-319F-360DBB88FC61}"/>
+              </a:ext>
+            </a:extLst>
+          </p:cNvPr>
+          <p:cNvPicPr>
+            <a:picLocks noChangeAspect="1" noChangeArrowheads="1"/>
+          </p:cNvPicPr>
+          <p:nvPr/>
+        </p:nvPicPr>
+        <p:blipFill>
+          <a:blip r:embed="rId11" cstate="print">
+            <a:extLst>
+              <a:ext uri="{28A0092B-C50C-407E-A947-70E740481C1C}">
+                <a14:useLocalDpi xmlns:a14="http://schemas.microsoft.com/office/drawing/2010/main" val="0"/>
+              </a:ext>
+            </a:extLst>
+          </a:blip>
+          <a:srcRect/>
+          <a:stretch>
+            <a:fillRect/>
+          </a:stretch>
+        </p:blipFill>
+        <p:spPr bwMode="auto">
+          <a:xfrm>
+            <a:off x="17744331" y="28767242"/>
+            <a:ext cx="2498006" cy="1215941"/>
+          </a:xfrm>
+          <a:prstGeom prst="rect">
+            <a:avLst/>
+          </a:prstGeom>
+          <a:noFill/>
+          <a:extLst>
+            <a:ext uri="{909E8E84-426E-40DD-AFC4-6F175D3DCCD1}">
+              <a14:hiddenFill xmlns:a14="http://schemas.microsoft.com/office/drawing/2010/main">
+                <a:solidFill>
+                  <a:srgbClr val="FFFFFF"/>
+                </a:solidFill>
+              </a14:hiddenFill>
+            </a:ext>
+          </a:extLst>
+        </p:spPr>
+      </p:pic>
+      <p:pic>
+        <p:nvPicPr>
+          <p:cNvPr id="1030" name="Picture 6" descr="VMware Workstation - Wikipedia">
+            <a:extLst>
+              <a:ext uri="{FF2B5EF4-FFF2-40B4-BE49-F238E27FC236}">
+                <a16:creationId xmlns:a16="http://schemas.microsoft.com/office/drawing/2014/main" id="{35147C81-BEA1-1A10-98D3-61819FBF2F96}"/>
+              </a:ext>
+            </a:extLst>
+          </p:cNvPr>
+          <p:cNvPicPr>
+            <a:picLocks noChangeAspect="1" noChangeArrowheads="1"/>
+          </p:cNvPicPr>
+          <p:nvPr/>
+        </p:nvPicPr>
+        <p:blipFill>
+          <a:blip r:embed="rId12" cstate="print">
+            <a:extLst>
+              <a:ext uri="{28A0092B-C50C-407E-A947-70E740481C1C}">
+                <a14:useLocalDpi xmlns:a14="http://schemas.microsoft.com/office/drawing/2010/main" val="0"/>
+              </a:ext>
+            </a:extLst>
+          </a:blip>
+          <a:srcRect/>
+          <a:stretch>
+            <a:fillRect/>
+          </a:stretch>
+        </p:blipFill>
+        <p:spPr bwMode="auto">
+          <a:xfrm>
+            <a:off x="16598280" y="28934575"/>
+            <a:ext cx="869884" cy="868434"/>
+          </a:xfrm>
+          <a:prstGeom prst="rect">
+            <a:avLst/>
+          </a:prstGeom>
+          <a:noFill/>
+          <a:extLst>
+            <a:ext uri="{909E8E84-426E-40DD-AFC4-6F175D3DCCD1}">
+              <a14:hiddenFill xmlns:a14="http://schemas.microsoft.com/office/drawing/2010/main">
+                <a:solidFill>
+                  <a:srgbClr val="FFFFFF"/>
+                </a:solidFill>
+              </a14:hiddenFill>
+            </a:ext>
+          </a:extLst>
+        </p:spPr>
+      </p:pic>
     </p:spTree>
     <p:extLst>
       <p:ext uri="{BB962C8B-B14F-4D97-AF65-F5344CB8AC3E}">
@@ -7996,15 +8137,6 @@
 </file>
 
 <file path=customXml/item2.xml><?xml version="1.0" encoding="utf-8"?>
-<?mso-contentType ?>
-<FormTemplates xmlns="http://schemas.microsoft.com/sharepoint/v3/contenttype/forms">
-  <Display>DocumentLibraryForm</Display>
-  <Edit>DocumentLibraryForm</Edit>
-  <New>DocumentLibraryForm</New>
-</FormTemplates>
-</file>
-
-<file path=customXml/item3.xml><?xml version="1.0" encoding="utf-8"?>
 <p:properties xmlns:p="http://schemas.microsoft.com/office/2006/metadata/properties" xmlns:xsi="http://www.w3.org/2001/XMLSchema-instance" xmlns:pc="http://schemas.microsoft.com/office/infopath/2007/PartnerControls">
   <documentManagement>
     <_ip_UnifiedCompliancePolicyUIAction xmlns="http://schemas.microsoft.com/sharepoint/v3" xsi:nil="true"/>
@@ -8016,6 +8148,15 @@
     <u1pr xmlns="4464f5c8-ae05-415f-b9ca-4f85a263cc97" xsi:nil="true"/>
   </documentManagement>
 </p:properties>
+</file>
+
+<file path=customXml/item3.xml><?xml version="1.0" encoding="utf-8"?>
+<?mso-contentType ?>
+<FormTemplates xmlns="http://schemas.microsoft.com/sharepoint/v3/contenttype/forms">
+  <Display>DocumentLibraryForm</Display>
+  <Edit>DocumentLibraryForm</Edit>
+  <New>DocumentLibraryForm</New>
+</FormTemplates>
 </file>
 
 <file path=customXml/itemProps1.xml><?xml version="1.0" encoding="utf-8"?>
@@ -8040,14 +8181,6 @@
 </file>
 
 <file path=customXml/itemProps2.xml><?xml version="1.0" encoding="utf-8"?>
-<ds:datastoreItem xmlns:ds="http://schemas.openxmlformats.org/officeDocument/2006/customXml" ds:itemID="{F32FF808-2AA1-436E-A604-73A5DA1CB42F}">
-  <ds:schemaRefs>
-    <ds:schemaRef ds:uri="http://schemas.microsoft.com/sharepoint/v3/contenttype/forms"/>
-  </ds:schemaRefs>
-</ds:datastoreItem>
-</file>
-
-<file path=customXml/itemProps3.xml><?xml version="1.0" encoding="utf-8"?>
 <ds:datastoreItem xmlns:ds="http://schemas.openxmlformats.org/officeDocument/2006/customXml" ds:itemID="{35721F8A-D1E5-43C4-BAD1-F8D8F7A81000}">
   <ds:schemaRefs>
     <ds:schemaRef ds:uri="http://schemas.microsoft.com/office/2006/metadata/properties"/>
@@ -8056,4 +8189,12 @@
     <ds:schemaRef ds:uri="4464f5c8-ae05-415f-b9ca-4f85a263cc97"/>
   </ds:schemaRefs>
 </ds:datastoreItem>
+</file>
+
+<file path=customXml/itemProps3.xml><?xml version="1.0" encoding="utf-8"?>
+<ds:datastoreItem xmlns:ds="http://schemas.openxmlformats.org/officeDocument/2006/customXml" ds:itemID="{F32FF808-2AA1-436E-A604-73A5DA1CB42F}">
+  <ds:schemaRefs>
+    <ds:schemaRef ds:uri="http://schemas.microsoft.com/sharepoint/v3/contenttype/forms"/>
+  </ds:schemaRefs>
+</ds:datastoreItem>
 </file>